--- a/tutorial/T10/tut10.pptx
+++ b/tutorial/T10/tut10.pptx
@@ -133,6 +133,35 @@
 </p1510:revInfo>
 </file>
 
+<file path=ppt/changesInfos/changesInfo1.xml><?xml version="1.0" encoding="utf-8"?>
+<pc:chgInfo xmlns:a="http://schemas.openxmlformats.org/drawingml/2006/main" xmlns:r="http://schemas.openxmlformats.org/officeDocument/2006/relationships" xmlns:ac="http://schemas.microsoft.com/office/drawing/2013/main/command" xmlns:pc="http://schemas.microsoft.com/office/powerpoint/2013/main/command">
+  <pc:docChgLst>
+    <pc:chgData name="CHEN, Kaiwen" userId="d2b7700c-ac07-4aef-b2bf-800af199d77b" providerId="ADAL" clId="{DB679383-BD75-A846-912B-F4A02E5CB4BB}"/>
+    <pc:docChg chg="custSel modSld">
+      <pc:chgData name="CHEN, Kaiwen" userId="d2b7700c-ac07-4aef-b2bf-800af199d77b" providerId="ADAL" clId="{DB679383-BD75-A846-912B-F4A02E5CB4BB}" dt="2024-11-17T04:55:52.785" v="15" actId="27636"/>
+      <pc:docMkLst>
+        <pc:docMk/>
+      </pc:docMkLst>
+      <pc:sldChg chg="modSp mod">
+        <pc:chgData name="CHEN, Kaiwen" userId="d2b7700c-ac07-4aef-b2bf-800af199d77b" providerId="ADAL" clId="{DB679383-BD75-A846-912B-F4A02E5CB4BB}" dt="2024-11-17T04:55:52.785" v="15" actId="27636"/>
+        <pc:sldMkLst>
+          <pc:docMk/>
+          <pc:sldMk cId="436700335" sldId="640"/>
+        </pc:sldMkLst>
+        <pc:spChg chg="mod">
+          <ac:chgData name="CHEN, Kaiwen" userId="d2b7700c-ac07-4aef-b2bf-800af199d77b" providerId="ADAL" clId="{DB679383-BD75-A846-912B-F4A02E5CB4BB}" dt="2024-11-17T04:55:52.785" v="15" actId="27636"/>
+          <ac:spMkLst>
+            <pc:docMk/>
+            <pc:sldMk cId="436700335" sldId="640"/>
+            <ac:spMk id="3" creationId="{49FF9824-235A-9DF4-3AE4-8E5556F031F3}"/>
+          </ac:spMkLst>
+        </pc:spChg>
+      </pc:sldChg>
+    </pc:docChg>
+  </pc:docChgLst>
+</pc:chgInfo>
+</file>
+
 <file path=ppt/notesMasters/notesMaster1.xml><?xml version="1.0" encoding="utf-8"?>
 <p:notesMaster xmlns:a="http://schemas.openxmlformats.org/drawingml/2006/main" xmlns:r="http://schemas.openxmlformats.org/officeDocument/2006/relationships" xmlns:p="http://schemas.openxmlformats.org/presentationml/2006/main">
   <p:cSld>
@@ -215,7 +244,7 @@
           <a:p>
             <a:fld id="{90751E9F-A845-4914-A3CC-CC345012599B}" type="datetimeFigureOut">
               <a:rPr lang="en-US" smtClean="0"/>
-              <a:t>11/6/24</a:t>
+              <a:t>11/17/24</a:t>
             </a:fld>
             <a:endParaRPr lang="en-US"/>
           </a:p>
@@ -3487,7 +3516,7 @@
           <a:p>
             <a:fld id="{4110DD41-9B81-A544-8498-92133950A0E4}" type="datetime1">
               <a:rPr lang="en-US" smtClean="0"/>
-              <a:t>11/6/24</a:t>
+              <a:t>11/17/24</a:t>
             </a:fld>
             <a:endParaRPr lang="en-US"/>
           </a:p>
@@ -5330,7 +5359,7 @@
           </a:ln>
           <a:extLst>
             <a:ext uri="{C572A759-6A51-4108-AA02-DFA0A04FC94B}">
-              <ma14:wrappingTextBoxFlag xmlns:m="http://schemas.openxmlformats.org/officeDocument/2006/math" xmlns:a14="http://schemas.microsoft.com/office/drawing/2010/main" xmlns:ma14="http://schemas.microsoft.com/office/mac/drawingml/2011/main" xmlns="" val="1"/>
+              <ma14:wrappingTextBoxFlag xmlns="" xmlns:ma14="http://schemas.microsoft.com/office/mac/drawingml/2011/main" xmlns:a14="http://schemas.microsoft.com/office/drawing/2010/main" xmlns:m="http://schemas.openxmlformats.org/officeDocument/2006/math" val="1"/>
             </a:ext>
           </a:extLst>
         </p:spPr>
@@ -5369,7 +5398,7 @@
           </a:ln>
           <a:extLst>
             <a:ext uri="{C572A759-6A51-4108-AA02-DFA0A04FC94B}">
-              <ma14:wrappingTextBoxFlag xmlns:m="http://schemas.openxmlformats.org/officeDocument/2006/math" xmlns:a14="http://schemas.microsoft.com/office/drawing/2010/main" xmlns:ma14="http://schemas.microsoft.com/office/mac/drawingml/2011/main" xmlns="" val="1"/>
+              <ma14:wrappingTextBoxFlag xmlns="" xmlns:ma14="http://schemas.microsoft.com/office/mac/drawingml/2011/main" xmlns:a14="http://schemas.microsoft.com/office/drawing/2010/main" xmlns:m="http://schemas.openxmlformats.org/officeDocument/2006/math" val="1"/>
             </a:ext>
           </a:extLst>
         </p:spPr>
@@ -9444,8 +9473,8 @@
           </a:p>
         </p:txBody>
       </p:sp>
-      <mc:AlternateContent xmlns:mc="http://schemas.openxmlformats.org/markup-compatibility/2006" xmlns:a14="http://schemas.microsoft.com/office/drawing/2010/main">
-        <mc:Choice Requires="a14">
+      <mc:AlternateContent xmlns:mc="http://schemas.openxmlformats.org/markup-compatibility/2006">
+        <mc:Choice xmlns:a14="http://schemas.microsoft.com/office/drawing/2010/main" Requires="a14">
           <p:sp>
             <p:nvSpPr>
               <p:cNvPr id="3" name="文字版面配置區 2">
@@ -9475,8 +9504,13 @@
                 </a:pPr>
                 <a:r>
                   <a:rPr lang="en-US" altLang="zh-CN" sz="2400" dirty="0"/>
-                  <a:t>The number of page frames in one page(The number of physical addresses in one page):</a:t>
+                  <a:t>The number of page entries in one </a:t>
                 </a:r>
+                <a:r>
+                  <a:rPr lang="en-US" altLang="zh-CN" sz="2400"/>
+                  <a:t>page table:</a:t>
+                </a:r>
+                <a:endParaRPr lang="en-US" altLang="zh-CN" sz="2400" dirty="0"/>
               </a:p>
               <a:p>
                 <a:pPr>
@@ -9738,7 +9772,7 @@
             </p:txBody>
           </p:sp>
         </mc:Choice>
-        <mc:Fallback xmlns="">
+        <mc:Fallback>
           <p:sp>
             <p:nvSpPr>
               <p:cNvPr id="3" name="文字版面配置區 2">
